--- a/img/pipeline.pptx
+++ b/img/pipeline.pptx
@@ -10,7 +10,7 @@
   <p:sldIdLst>
     <p:sldId id="256" r:id="rId6"/>
   </p:sldIdLst>
-  <p:sldSz cy="5143500" cx="9144000"/>
+  <p:sldSz cy="4114800" cx="9144000"/>
   <p:notesSz cx="6858000" cy="9144000"/>
   <p:embeddedFontLst>
     <p:embeddedFont>
@@ -260,7 +260,7 @@
   <p:extLst>
     <p:ext uri="{EFAFB233-063F-42B5-8137-9DF3F51BA10A}">
       <p15:sldGuideLst>
-        <p15:guide id="1" orient="horz" pos="1620">
+        <p15:guide id="1" orient="horz" pos="1296">
           <p15:clr>
             <a:srgbClr val="A4A3A4"/>
           </p15:clr>
@@ -270,7 +270,7 @@
             <a:srgbClr val="A4A3A4"/>
           </p15:clr>
         </p15:guide>
-        <p15:guide id="3" orient="horz" pos="1188">
+        <p15:guide id="3" orient="horz" pos="950">
           <p15:clr>
             <a:srgbClr val="9AA0A6"/>
           </p15:clr>
@@ -308,8 +308,8 @@
         </p:nvSpPr>
         <p:spPr>
           <a:xfrm>
-            <a:off x="381300" y="685800"/>
-            <a:ext cx="6096075" cy="3429000"/>
+            <a:off x="-380700" y="685800"/>
+            <a:ext cx="7620000" cy="3429000"/>
           </a:xfrm>
           <a:custGeom>
             <a:rect b="b" l="l" r="r" t="t"/>
@@ -734,8 +734,8 @@
         </p:nvSpPr>
         <p:spPr>
           <a:xfrm>
-            <a:off x="381300" y="685800"/>
-            <a:ext cx="6096000" cy="3429000"/>
+            <a:off x="-380700" y="685800"/>
+            <a:ext cx="7620000" cy="3429000"/>
           </a:xfrm>
           <a:custGeom>
             <a:rect b="b" l="l" r="r" t="t"/>
@@ -833,8 +833,8 @@
         </p:nvSpPr>
         <p:spPr>
           <a:xfrm>
-            <a:off x="5207050" y="1514350"/>
-            <a:ext cx="1904700" cy="1057500"/>
+            <a:off x="5207050" y="1211480"/>
+            <a:ext cx="1904700" cy="846000"/>
           </a:xfrm>
           <a:prstGeom prst="rect">
             <a:avLst/>
@@ -958,8 +958,8 @@
         </p:nvSpPr>
         <p:spPr>
           <a:xfrm>
-            <a:off x="761950" y="2219400"/>
-            <a:ext cx="4445100" cy="2114400"/>
+            <a:off x="761950" y="1775520"/>
+            <a:ext cx="4445100" cy="1691400"/>
           </a:xfrm>
           <a:prstGeom prst="rect">
             <a:avLst/>
@@ -1099,8 +1099,8 @@
         </p:nvSpPr>
         <p:spPr>
           <a:xfrm>
-            <a:off x="761950" y="809425"/>
-            <a:ext cx="3174900" cy="1409700"/>
+            <a:off x="761950" y="647540"/>
+            <a:ext cx="3174900" cy="1127700"/>
           </a:xfrm>
           <a:prstGeom prst="rect">
             <a:avLst/>
@@ -1215,8 +1215,8 @@
         </p:nvSpPr>
         <p:spPr>
           <a:xfrm>
-            <a:off x="762002" y="2571750"/>
-            <a:ext cx="2540100" cy="1761900"/>
+            <a:off x="762002" y="2057400"/>
+            <a:ext cx="2540100" cy="1409400"/>
           </a:xfrm>
           <a:prstGeom prst="rect">
             <a:avLst/>
@@ -1365,8 +1365,8 @@
         </p:nvSpPr>
         <p:spPr>
           <a:xfrm>
-            <a:off x="762100" y="809375"/>
-            <a:ext cx="5079900" cy="352500"/>
+            <a:off x="762100" y="647500"/>
+            <a:ext cx="5079900" cy="282000"/>
           </a:xfrm>
           <a:prstGeom prst="rect">
             <a:avLst/>
@@ -1481,8 +1481,8 @@
         </p:nvSpPr>
         <p:spPr>
           <a:xfrm>
-            <a:off x="762000" y="3628875"/>
-            <a:ext cx="3657300" cy="704400"/>
+            <a:off x="762000" y="2903100"/>
+            <a:ext cx="3657300" cy="563400"/>
           </a:xfrm>
           <a:prstGeom prst="rect">
             <a:avLst/>
@@ -1606,8 +1606,8 @@
         </p:nvSpPr>
         <p:spPr>
           <a:xfrm>
-            <a:off x="4572125" y="3628875"/>
-            <a:ext cx="3657300" cy="704400"/>
+            <a:off x="4572125" y="2903100"/>
+            <a:ext cx="3657300" cy="563400"/>
           </a:xfrm>
           <a:prstGeom prst="rect">
             <a:avLst/>
@@ -1756,8 +1756,8 @@
         </p:nvSpPr>
         <p:spPr>
           <a:xfrm>
-            <a:off x="762100" y="809375"/>
-            <a:ext cx="5079900" cy="352500"/>
+            <a:off x="762100" y="647500"/>
+            <a:ext cx="5079900" cy="282000"/>
           </a:xfrm>
           <a:prstGeom prst="rect">
             <a:avLst/>
@@ -1872,8 +1872,8 @@
         </p:nvSpPr>
         <p:spPr>
           <a:xfrm>
-            <a:off x="762000" y="2924350"/>
-            <a:ext cx="2540100" cy="1057200"/>
+            <a:off x="762000" y="2339480"/>
+            <a:ext cx="2540100" cy="845700"/>
           </a:xfrm>
           <a:prstGeom prst="rect">
             <a:avLst/>
@@ -1997,8 +1997,8 @@
         </p:nvSpPr>
         <p:spPr>
           <a:xfrm>
-            <a:off x="3301950" y="2924350"/>
-            <a:ext cx="2540100" cy="1057200"/>
+            <a:off x="3301950" y="2339480"/>
+            <a:ext cx="2540100" cy="845700"/>
           </a:xfrm>
           <a:prstGeom prst="rect">
             <a:avLst/>
@@ -2122,8 +2122,8 @@
         </p:nvSpPr>
         <p:spPr>
           <a:xfrm>
-            <a:off x="5841900" y="2924350"/>
-            <a:ext cx="2540100" cy="1057200"/>
+            <a:off x="5841900" y="2339480"/>
+            <a:ext cx="2540100" cy="845700"/>
           </a:xfrm>
           <a:prstGeom prst="rect">
             <a:avLst/>
@@ -2272,8 +2272,8 @@
         </p:nvSpPr>
         <p:spPr>
           <a:xfrm>
-            <a:off x="4571950" y="4515350"/>
-            <a:ext cx="3810000" cy="351900"/>
+            <a:off x="4571950" y="3612280"/>
+            <a:ext cx="3810000" cy="281400"/>
           </a:xfrm>
           <a:prstGeom prst="rect">
             <a:avLst/>
@@ -2429,8 +2429,8 @@
         </p:nvSpPr>
         <p:spPr>
           <a:xfrm>
-            <a:off x="761950" y="809375"/>
-            <a:ext cx="5079900" cy="1762200"/>
+            <a:off x="761950" y="647500"/>
+            <a:ext cx="5079900" cy="1409700"/>
           </a:xfrm>
           <a:prstGeom prst="rect">
             <a:avLst/>
@@ -2613,8 +2613,8 @@
         </p:nvSpPr>
         <p:spPr>
           <a:xfrm>
-            <a:off x="761950" y="809375"/>
-            <a:ext cx="5079900" cy="352500"/>
+            <a:off x="761950" y="647500"/>
+            <a:ext cx="5079900" cy="282000"/>
           </a:xfrm>
           <a:prstGeom prst="rect">
             <a:avLst/>
@@ -2765,8 +2765,8 @@
         </p:nvSpPr>
         <p:spPr>
           <a:xfrm>
-            <a:off x="761975" y="1514275"/>
-            <a:ext cx="5079900" cy="2467200"/>
+            <a:off x="761975" y="1211420"/>
+            <a:ext cx="5079900" cy="1973700"/>
           </a:xfrm>
           <a:prstGeom prst="rect">
             <a:avLst/>
@@ -3003,8 +3003,8 @@
         </p:nvSpPr>
         <p:spPr>
           <a:xfrm>
-            <a:off x="761950" y="2219400"/>
-            <a:ext cx="3174900" cy="1762200"/>
+            <a:off x="761950" y="1775520"/>
+            <a:ext cx="3174900" cy="1409700"/>
           </a:xfrm>
           <a:prstGeom prst="rect">
             <a:avLst/>
@@ -3144,8 +3144,8 @@
         </p:nvSpPr>
         <p:spPr>
           <a:xfrm>
-            <a:off x="761950" y="809375"/>
-            <a:ext cx="5080200" cy="1762500"/>
+            <a:off x="761950" y="647500"/>
+            <a:ext cx="5080200" cy="1410000"/>
           </a:xfrm>
           <a:prstGeom prst="rect">
             <a:avLst/>
@@ -3285,8 +3285,8 @@
         </p:nvSpPr>
         <p:spPr>
           <a:xfrm>
-            <a:off x="761950" y="809375"/>
-            <a:ext cx="3175200" cy="1762500"/>
+            <a:off x="761950" y="647500"/>
+            <a:ext cx="3175200" cy="1410000"/>
           </a:xfrm>
           <a:prstGeom prst="rect">
             <a:avLst/>
@@ -3426,8 +3426,8 @@
         </p:nvSpPr>
         <p:spPr>
           <a:xfrm>
-            <a:off x="761950" y="809575"/>
-            <a:ext cx="5080200" cy="352200"/>
+            <a:off x="761950" y="647660"/>
+            <a:ext cx="5080200" cy="281700"/>
           </a:xfrm>
           <a:prstGeom prst="rect">
             <a:avLst/>
@@ -3542,8 +3542,8 @@
         </p:nvSpPr>
         <p:spPr>
           <a:xfrm>
-            <a:off x="762025" y="1514225"/>
-            <a:ext cx="5080200" cy="2819700"/>
+            <a:off x="762025" y="1211380"/>
+            <a:ext cx="5080200" cy="2255700"/>
           </a:xfrm>
           <a:prstGeom prst="rect">
             <a:avLst/>
@@ -3692,8 +3692,8 @@
         </p:nvSpPr>
         <p:spPr>
           <a:xfrm>
-            <a:off x="761950" y="809575"/>
-            <a:ext cx="5080200" cy="352200"/>
+            <a:off x="761950" y="647660"/>
+            <a:ext cx="5080200" cy="281700"/>
           </a:xfrm>
           <a:prstGeom prst="rect">
             <a:avLst/>
@@ -3808,8 +3808,8 @@
         </p:nvSpPr>
         <p:spPr>
           <a:xfrm>
-            <a:off x="762025" y="1514225"/>
-            <a:ext cx="3810000" cy="2819700"/>
+            <a:off x="762025" y="1211380"/>
+            <a:ext cx="3810000" cy="2255700"/>
           </a:xfrm>
           <a:prstGeom prst="rect">
             <a:avLst/>
@@ -3933,8 +3933,8 @@
         </p:nvSpPr>
         <p:spPr>
           <a:xfrm>
-            <a:off x="4571950" y="1514225"/>
-            <a:ext cx="3810000" cy="2819700"/>
+            <a:off x="4571950" y="1211380"/>
+            <a:ext cx="3810000" cy="2255700"/>
           </a:xfrm>
           <a:prstGeom prst="rect">
             <a:avLst/>
@@ -4083,8 +4083,8 @@
         </p:nvSpPr>
         <p:spPr>
           <a:xfrm>
-            <a:off x="761950" y="809575"/>
-            <a:ext cx="5080200" cy="352200"/>
+            <a:off x="761950" y="647660"/>
+            <a:ext cx="5080200" cy="281700"/>
           </a:xfrm>
           <a:prstGeom prst="rect">
             <a:avLst/>
@@ -4199,8 +4199,8 @@
         </p:nvSpPr>
         <p:spPr>
           <a:xfrm>
-            <a:off x="761950" y="1514225"/>
-            <a:ext cx="2540100" cy="2819700"/>
+            <a:off x="761950" y="1211380"/>
+            <a:ext cx="2540100" cy="2255700"/>
           </a:xfrm>
           <a:prstGeom prst="rect">
             <a:avLst/>
@@ -4324,8 +4324,8 @@
         </p:nvSpPr>
         <p:spPr>
           <a:xfrm>
-            <a:off x="3301950" y="1514225"/>
-            <a:ext cx="2540100" cy="2819700"/>
+            <a:off x="3301950" y="1211380"/>
+            <a:ext cx="2540100" cy="2255700"/>
           </a:xfrm>
           <a:prstGeom prst="rect">
             <a:avLst/>
@@ -4449,8 +4449,8 @@
         </p:nvSpPr>
         <p:spPr>
           <a:xfrm>
-            <a:off x="5841900" y="1514225"/>
-            <a:ext cx="2540100" cy="2819700"/>
+            <a:off x="5841900" y="1211380"/>
+            <a:ext cx="2540100" cy="2255700"/>
           </a:xfrm>
           <a:prstGeom prst="rect">
             <a:avLst/>
@@ -4599,8 +4599,8 @@
         </p:nvSpPr>
         <p:spPr>
           <a:xfrm>
-            <a:off x="761950" y="809575"/>
-            <a:ext cx="5080200" cy="352200"/>
+            <a:off x="761950" y="647660"/>
+            <a:ext cx="5080200" cy="281700"/>
           </a:xfrm>
           <a:prstGeom prst="rect">
             <a:avLst/>
@@ -4715,8 +4715,8 @@
         </p:nvSpPr>
         <p:spPr>
           <a:xfrm>
-            <a:off x="761950" y="1514225"/>
-            <a:ext cx="1905000" cy="2819700"/>
+            <a:off x="761950" y="1211380"/>
+            <a:ext cx="1905000" cy="2255700"/>
           </a:xfrm>
           <a:prstGeom prst="rect">
             <a:avLst/>
@@ -4840,8 +4840,8 @@
         </p:nvSpPr>
         <p:spPr>
           <a:xfrm>
-            <a:off x="2666938" y="1514225"/>
-            <a:ext cx="1905000" cy="2819700"/>
+            <a:off x="2666938" y="1211380"/>
+            <a:ext cx="1905000" cy="2255700"/>
           </a:xfrm>
           <a:prstGeom prst="rect">
             <a:avLst/>
@@ -4965,8 +4965,8 @@
         </p:nvSpPr>
         <p:spPr>
           <a:xfrm>
-            <a:off x="4571888" y="1514225"/>
-            <a:ext cx="1905000" cy="2819700"/>
+            <a:off x="4571888" y="1211380"/>
+            <a:ext cx="1905000" cy="2255700"/>
           </a:xfrm>
           <a:prstGeom prst="rect">
             <a:avLst/>
@@ -5090,8 +5090,8 @@
         </p:nvSpPr>
         <p:spPr>
           <a:xfrm>
-            <a:off x="6476938" y="1514225"/>
-            <a:ext cx="1905000" cy="2819700"/>
+            <a:off x="6476938" y="1211380"/>
+            <a:ext cx="1905000" cy="2255700"/>
           </a:xfrm>
           <a:prstGeom prst="rect">
             <a:avLst/>
@@ -5240,8 +5240,8 @@
         </p:nvSpPr>
         <p:spPr>
           <a:xfrm>
-            <a:off x="761950" y="1161825"/>
-            <a:ext cx="5715000" cy="1762200"/>
+            <a:off x="761950" y="929460"/>
+            <a:ext cx="5715000" cy="1409700"/>
           </a:xfrm>
           <a:prstGeom prst="rect">
             <a:avLst/>
@@ -5356,8 +5356,8 @@
         </p:nvSpPr>
         <p:spPr>
           <a:xfrm>
-            <a:off x="762000" y="3276400"/>
-            <a:ext cx="2540100" cy="1057200"/>
+            <a:off x="762000" y="2621120"/>
+            <a:ext cx="2540100" cy="845700"/>
           </a:xfrm>
           <a:prstGeom prst="rect">
             <a:avLst/>
@@ -5513,8 +5513,8 @@
         </p:nvSpPr>
         <p:spPr>
           <a:xfrm>
-            <a:off x="761950" y="457175"/>
-            <a:ext cx="5080200" cy="352200"/>
+            <a:off x="761950" y="365740"/>
+            <a:ext cx="5080200" cy="281700"/>
           </a:xfrm>
           <a:prstGeom prst="rect">
             <a:avLst/>
@@ -5705,8 +5705,8 @@
         </p:nvSpPr>
         <p:spPr>
           <a:xfrm>
-            <a:off x="761825" y="1161825"/>
-            <a:ext cx="5080200" cy="3171900"/>
+            <a:off x="761825" y="929460"/>
+            <a:ext cx="5080200" cy="2537400"/>
           </a:xfrm>
           <a:prstGeom prst="rect">
             <a:avLst/>
@@ -6673,67 +6673,67 @@
   <p:extLst>
     <p:ext uri="{27BBF7A9-308A-43DC-89C8-2F10F3537804}">
       <p15:sldGuideLst>
-        <p15:guide id="1" orient="horz" pos="510">
+        <p15:guide id="1" orient="horz" pos="408">
           <p15:clr>
             <a:srgbClr val="F06B4A"/>
           </p15:clr>
         </p15:guide>
-        <p15:guide id="2" orient="horz" pos="732">
+        <p15:guide id="2" orient="horz" pos="585">
           <p15:clr>
             <a:srgbClr val="F06B4A"/>
           </p15:clr>
         </p15:guide>
-        <p15:guide id="3" orient="horz" pos="954">
+        <p15:guide id="3" orient="horz" pos="763">
           <p15:clr>
             <a:srgbClr val="F06B4A"/>
           </p15:clr>
         </p15:guide>
-        <p15:guide id="4" orient="horz" pos="1176">
+        <p15:guide id="4" orient="horz" pos="941">
           <p15:clr>
             <a:srgbClr val="F06B4A"/>
           </p15:clr>
         </p15:guide>
-        <p15:guide id="5" orient="horz" pos="1398">
+        <p15:guide id="5" orient="horz" pos="1118">
           <p15:clr>
             <a:srgbClr val="F06B4A"/>
           </p15:clr>
         </p15:guide>
-        <p15:guide id="6" orient="horz" pos="1620">
+        <p15:guide id="6" orient="horz" pos="1296">
           <p15:clr>
             <a:srgbClr val="F06B4A"/>
           </p15:clr>
         </p15:guide>
-        <p15:guide id="7" orient="horz" pos="1842">
+        <p15:guide id="7" orient="horz" pos="1473">
           <p15:clr>
             <a:srgbClr val="F06B4A"/>
           </p15:clr>
         </p15:guide>
-        <p15:guide id="8" orient="horz" pos="2064">
+        <p15:guide id="8" orient="horz" pos="1651">
           <p15:clr>
             <a:srgbClr val="F06B4A"/>
           </p15:clr>
         </p15:guide>
-        <p15:guide id="9" orient="horz" pos="2286">
+        <p15:guide id="9" orient="horz" pos="1829">
           <p15:clr>
             <a:srgbClr val="F06B4A"/>
           </p15:clr>
         </p15:guide>
-        <p15:guide id="10" orient="horz" pos="2508">
+        <p15:guide id="10" orient="horz" pos="2006">
           <p15:clr>
             <a:srgbClr val="F06B4A"/>
           </p15:clr>
         </p15:guide>
-        <p15:guide id="11" orient="horz" pos="2730">
+        <p15:guide id="11" orient="horz" pos="2184">
           <p15:clr>
             <a:srgbClr val="F06B4A"/>
           </p15:clr>
         </p15:guide>
-        <p15:guide id="12" orient="horz" pos="2952">
+        <p15:guide id="12" orient="horz" pos="2362">
           <p15:clr>
             <a:srgbClr val="F06B4A"/>
           </p15:clr>
         </p15:guide>
-        <p15:guide id="13" orient="horz" pos="288">
+        <p15:guide id="13" orient="horz" pos="230">
           <p15:clr>
             <a:srgbClr val="F06B4A"/>
           </p15:clr>
@@ -6834,8 +6834,74 @@
         </p:nvSpPr>
         <p:spPr>
           <a:xfrm>
-            <a:off x="1868500" y="457175"/>
-            <a:ext cx="4542900" cy="294300"/>
+            <a:off x="120875" y="90450"/>
+            <a:ext cx="8933100" cy="516000"/>
+          </a:xfrm>
+          <a:prstGeom prst="rect">
+            <a:avLst/>
+          </a:prstGeom>
+          <a:solidFill>
+            <a:srgbClr val="FFFFFF"/>
+          </a:solidFill>
+          <a:ln cap="flat" cmpd="sng" w="19050">
+            <a:solidFill>
+              <a:srgbClr val="434343"/>
+            </a:solidFill>
+            <a:prstDash val="solid"/>
+            <a:round/>
+            <a:headEnd len="sm" w="sm" type="none"/>
+            <a:tailEnd len="sm" w="sm" type="none"/>
+          </a:ln>
+        </p:spPr>
+        <p:txBody>
+          <a:bodyPr anchorCtr="0" anchor="t" bIns="91425" lIns="91425" spcFirstLastPara="1" rIns="91425" wrap="square" tIns="91425">
+            <a:noAutofit/>
+          </a:bodyPr>
+          <a:lstStyle/>
+          <a:p>
+            <a:pPr indent="0" lvl="0" marL="0" rtl="0" algn="ctr">
+              <a:spcBef>
+                <a:spcPts val="0"/>
+              </a:spcBef>
+              <a:spcAft>
+                <a:spcPts val="0"/>
+              </a:spcAft>
+              <a:buNone/>
+            </a:pPr>
+            <a:r>
+              <a:rPr b="1" lang="en" sz="1100">
+                <a:solidFill>
+                  <a:srgbClr val="434343"/>
+                </a:solidFill>
+                <a:latin typeface="Roboto"/>
+                <a:ea typeface="Roboto"/>
+                <a:cs typeface="Roboto"/>
+                <a:sym typeface="Roboto"/>
+              </a:rPr>
+              <a:t>dapr</a:t>
+            </a:r>
+            <a:endParaRPr sz="1100">
+              <a:solidFill>
+                <a:srgbClr val="434343"/>
+              </a:solidFill>
+              <a:latin typeface="Roboto"/>
+              <a:ea typeface="Roboto"/>
+              <a:cs typeface="Roboto"/>
+              <a:sym typeface="Roboto"/>
+            </a:endParaRPr>
+          </a:p>
+        </p:txBody>
+      </p:sp>
+      <p:sp>
+        <p:nvSpPr>
+          <p:cNvPr id="63" name="Google Shape;63;p18"/>
+          <p:cNvSpPr/>
+          <p:nvPr/>
+        </p:nvSpPr>
+        <p:spPr>
+          <a:xfrm>
+            <a:off x="1575098" y="2192448"/>
+            <a:ext cx="1571700" cy="558600"/>
           </a:xfrm>
           <a:prstGeom prst="rect">
             <a:avLst/>
@@ -6869,84 +6935,6 @@
               <a:buNone/>
             </a:pPr>
             <a:r>
-              <a:rPr b="1" lang="en" sz="1100">
-                <a:solidFill>
-                  <a:srgbClr val="434343"/>
-                </a:solidFill>
-                <a:latin typeface="Roboto"/>
-                <a:ea typeface="Roboto"/>
-                <a:cs typeface="Roboto"/>
-                <a:sym typeface="Roboto"/>
-              </a:rPr>
-              <a:t>d</a:t>
-            </a:r>
-            <a:r>
-              <a:rPr b="1" lang="en" sz="1100">
-                <a:solidFill>
-                  <a:srgbClr val="434343"/>
-                </a:solidFill>
-                <a:latin typeface="Roboto"/>
-                <a:ea typeface="Roboto"/>
-                <a:cs typeface="Roboto"/>
-                <a:sym typeface="Roboto"/>
-              </a:rPr>
-              <a:t>apr</a:t>
-            </a:r>
-            <a:endParaRPr sz="1100">
-              <a:solidFill>
-                <a:srgbClr val="434343"/>
-              </a:solidFill>
-              <a:latin typeface="Roboto"/>
-              <a:ea typeface="Roboto"/>
-              <a:cs typeface="Roboto"/>
-              <a:sym typeface="Roboto"/>
-            </a:endParaRPr>
-          </a:p>
-        </p:txBody>
-      </p:sp>
-      <p:sp>
-        <p:nvSpPr>
-          <p:cNvPr id="63" name="Google Shape;63;p18"/>
-          <p:cNvSpPr/>
-          <p:nvPr/>
-        </p:nvSpPr>
-        <p:spPr>
-          <a:xfrm>
-            <a:off x="1868500" y="1989420"/>
-            <a:ext cx="885300" cy="439200"/>
-          </a:xfrm>
-          <a:prstGeom prst="rect">
-            <a:avLst/>
-          </a:prstGeom>
-          <a:solidFill>
-            <a:srgbClr val="FFFFFF"/>
-          </a:solidFill>
-          <a:ln cap="flat" cmpd="sng" w="19050">
-            <a:solidFill>
-              <a:srgbClr val="434343"/>
-            </a:solidFill>
-            <a:prstDash val="solid"/>
-            <a:round/>
-            <a:headEnd len="sm" w="sm" type="none"/>
-            <a:tailEnd len="sm" w="sm" type="none"/>
-          </a:ln>
-        </p:spPr>
-        <p:txBody>
-          <a:bodyPr anchorCtr="0" anchor="ctr" bIns="91425" lIns="91425" spcFirstLastPara="1" rIns="91425" wrap="square" tIns="91425">
-            <a:noAutofit/>
-          </a:bodyPr>
-          <a:lstStyle/>
-          <a:p>
-            <a:pPr indent="0" lvl="0" marL="0" rtl="0" algn="ctr">
-              <a:spcBef>
-                <a:spcPts val="0"/>
-              </a:spcBef>
-              <a:spcAft>
-                <a:spcPts val="0"/>
-              </a:spcAft>
-              <a:buNone/>
-            </a:pPr>
-            <a:r>
               <a:rPr b="1" lang="en" sz="1200">
                 <a:solidFill>
                   <a:srgbClr val="434343"/>
@@ -6956,19 +6944,7 @@
                 <a:cs typeface="Roboto"/>
                 <a:sym typeface="Roboto"/>
               </a:rPr>
-              <a:t>p</a:t>
-            </a:r>
-            <a:r>
-              <a:rPr b="1" lang="en" sz="1200">
-                <a:solidFill>
-                  <a:srgbClr val="434343"/>
-                </a:solidFill>
-                <a:latin typeface="Roboto"/>
-                <a:ea typeface="Roboto"/>
-                <a:cs typeface="Roboto"/>
-                <a:sym typeface="Roboto"/>
-              </a:rPr>
-              <a:t>rovider</a:t>
+              <a:t>provider</a:t>
             </a:r>
             <a:endParaRPr sz="1200">
               <a:solidFill>
@@ -6998,8 +6974,8 @@
         </p:blipFill>
         <p:spPr>
           <a:xfrm>
-            <a:off x="2140433" y="3189490"/>
-            <a:ext cx="341423" cy="341448"/>
+            <a:off x="1920949" y="3460218"/>
+            <a:ext cx="434222" cy="434287"/>
           </a:xfrm>
           <a:prstGeom prst="rect">
             <a:avLst/>
@@ -7013,15 +6989,13 @@
       <p:cxnSp>
         <p:nvCxnSpPr>
           <p:cNvPr id="65" name="Google Shape;65;p18"/>
-          <p:cNvCxnSpPr>
-            <a:stCxn id="63" idx="2"/>
-          </p:cNvCxnSpPr>
+          <p:cNvCxnSpPr/>
           <p:nvPr/>
         </p:nvCxnSpPr>
         <p:spPr>
           <a:xfrm>
-            <a:off x="2311150" y="2428620"/>
-            <a:ext cx="0" cy="771600"/>
+            <a:off x="2124847" y="2751048"/>
+            <a:ext cx="0" cy="711000"/>
           </a:xfrm>
           <a:prstGeom prst="straightConnector1">
             <a:avLst/>
@@ -7033,7 +7007,7 @@
             </a:solidFill>
             <a:prstDash val="solid"/>
             <a:round/>
-            <a:headEnd len="med" w="med" type="none"/>
+            <a:headEnd len="med" w="med" type="stealth"/>
             <a:tailEnd len="med" w="med" type="stealth"/>
           </a:ln>
         </p:spPr>
@@ -7045,9 +7019,9 @@
           <p:nvPr/>
         </p:nvSpPr>
         <p:spPr>
-          <a:xfrm rot="-5398629">
-            <a:off x="1821475" y="2680751"/>
-            <a:ext cx="752100" cy="258300"/>
+          <a:xfrm rot="-5398427">
+            <a:off x="1711925" y="2913850"/>
+            <a:ext cx="655800" cy="328500"/>
           </a:xfrm>
           <a:prstGeom prst="rect">
             <a:avLst/>
@@ -7106,8 +7080,8 @@
         </p:blipFill>
         <p:spPr>
           <a:xfrm>
-            <a:off x="725053" y="2026554"/>
-            <a:ext cx="341700" cy="359684"/>
+            <a:off x="120869" y="2239686"/>
+            <a:ext cx="434575" cy="457482"/>
           </a:xfrm>
           <a:prstGeom prst="rect">
             <a:avLst/>
@@ -7129,8 +7103,8 @@
         </p:nvCxnSpPr>
         <p:spPr>
           <a:xfrm rot="10800000">
-            <a:off x="1066900" y="2206320"/>
-            <a:ext cx="801600" cy="2700"/>
+            <a:off x="555398" y="2468448"/>
+            <a:ext cx="1019700" cy="3300"/>
           </a:xfrm>
           <a:prstGeom prst="straightConnector1">
             <a:avLst/>
@@ -7154,9 +7128,9 @@
           <p:nvPr/>
         </p:nvSpPr>
         <p:spPr>
-          <a:xfrm rot="1324">
-            <a:off x="1078150" y="1963558"/>
-            <a:ext cx="779100" cy="539100"/>
+          <a:xfrm rot="1041">
+            <a:off x="569938" y="2159520"/>
+            <a:ext cx="990900" cy="685800"/>
           </a:xfrm>
           <a:prstGeom prst="rect">
             <a:avLst/>
@@ -7191,7 +7165,16 @@
                 <a:cs typeface="Roboto"/>
                 <a:sym typeface="Roboto"/>
               </a:rPr>
-              <a:t>invoke CLI</a:t>
+              <a:t>invoke </a:t>
+            </a:r>
+            <a:r>
+              <a:rPr lang="en" sz="1000">
+                <a:latin typeface="Roboto"/>
+                <a:ea typeface="Roboto"/>
+                <a:cs typeface="Roboto"/>
+                <a:sym typeface="Roboto"/>
+              </a:rPr>
+              <a:t>query</a:t>
             </a:r>
             <a:br>
               <a:rPr lang="en" sz="1000">
@@ -7208,7 +7191,7 @@
                 <a:cs typeface="Roboto"/>
                 <a:sym typeface="Roboto"/>
               </a:rPr>
-              <a:t>query</a:t>
+              <a:t>CLI</a:t>
             </a:r>
             <a:endParaRPr sz="1000">
               <a:latin typeface="Roboto"/>
@@ -7222,15 +7205,13 @@
       <p:cxnSp>
         <p:nvCxnSpPr>
           <p:cNvPr id="70" name="Google Shape;70;p18"/>
-          <p:cNvCxnSpPr>
-            <a:endCxn id="63" idx="0"/>
-          </p:cNvCxnSpPr>
+          <p:cNvCxnSpPr/>
           <p:nvPr/>
         </p:nvCxnSpPr>
         <p:spPr>
           <a:xfrm>
-            <a:off x="2311150" y="752520"/>
-            <a:ext cx="0" cy="1236900"/>
+            <a:off x="2900075" y="593050"/>
+            <a:ext cx="0" cy="1597800"/>
           </a:xfrm>
           <a:prstGeom prst="straightConnector1">
             <a:avLst/>
@@ -7254,9 +7235,9 @@
           <p:nvPr/>
         </p:nvSpPr>
         <p:spPr>
-          <a:xfrm rot="-5399127">
-            <a:off x="1754777" y="1213775"/>
-            <a:ext cx="1180800" cy="258300"/>
+          <a:xfrm rot="-5399354">
+            <a:off x="2052100" y="1235300"/>
+            <a:ext cx="1597500" cy="328500"/>
           </a:xfrm>
           <a:prstGeom prst="rect">
             <a:avLst/>
@@ -7291,24 +7272,7 @@
                 <a:cs typeface="Roboto"/>
                 <a:sym typeface="Roboto"/>
               </a:rPr>
-              <a:t>pub tweets</a:t>
-            </a:r>
-            <a:br>
-              <a:rPr lang="en" sz="1000">
-                <a:latin typeface="Roboto"/>
-                <a:ea typeface="Roboto"/>
-                <a:cs typeface="Roboto"/>
-                <a:sym typeface="Roboto"/>
-              </a:rPr>
-            </a:br>
-            <a:r>
-              <a:rPr lang="en" sz="1000">
-                <a:latin typeface="Roboto"/>
-                <a:ea typeface="Roboto"/>
-                <a:cs typeface="Roboto"/>
-                <a:sym typeface="Roboto"/>
-              </a:rPr>
-              <a:t>topic</a:t>
+              <a:t>search results</a:t>
             </a:r>
             <a:endParaRPr sz="1000">
               <a:latin typeface="Roboto"/>
@@ -7327,8 +7291,8 @@
         </p:nvSpPr>
         <p:spPr>
           <a:xfrm>
-            <a:off x="3392507" y="1989425"/>
-            <a:ext cx="1476000" cy="439200"/>
+            <a:off x="3741937" y="2192461"/>
+            <a:ext cx="1877100" cy="558600"/>
           </a:xfrm>
           <a:prstGeom prst="rect">
             <a:avLst/>
@@ -7393,8 +7357,8 @@
         </p:nvCxnSpPr>
         <p:spPr>
           <a:xfrm>
-            <a:off x="3758950" y="752575"/>
-            <a:ext cx="0" cy="1236900"/>
+            <a:off x="4055475" y="608050"/>
+            <a:ext cx="0" cy="1575300"/>
           </a:xfrm>
           <a:prstGeom prst="straightConnector1">
             <a:avLst/>
@@ -7418,9 +7382,9 @@
           <p:nvPr/>
         </p:nvSpPr>
         <p:spPr>
-          <a:xfrm rot="-5399127">
-            <a:off x="3210665" y="1213775"/>
-            <a:ext cx="1180800" cy="258300"/>
+          <a:xfrm rot="-5399342">
+            <a:off x="3223825" y="1235300"/>
+            <a:ext cx="1567500" cy="328500"/>
           </a:xfrm>
           <a:prstGeom prst="rect">
             <a:avLst/>
@@ -7455,42 +7419,7 @@
                 <a:cs typeface="Roboto"/>
                 <a:sym typeface="Roboto"/>
               </a:rPr>
-              <a:t>s</a:t>
-            </a:r>
-            <a:r>
-              <a:rPr lang="en" sz="1000">
-                <a:latin typeface="Roboto"/>
-                <a:ea typeface="Roboto"/>
-                <a:cs typeface="Roboto"/>
-                <a:sym typeface="Roboto"/>
-              </a:rPr>
-              <a:t>ub </a:t>
-            </a:r>
-            <a:r>
-              <a:rPr lang="en" sz="1000">
-                <a:latin typeface="Roboto"/>
-                <a:ea typeface="Roboto"/>
-                <a:cs typeface="Roboto"/>
-                <a:sym typeface="Roboto"/>
-              </a:rPr>
-              <a:t> tweets</a:t>
-            </a:r>
-            <a:br>
-              <a:rPr lang="en" sz="1000">
-                <a:latin typeface="Roboto"/>
-                <a:ea typeface="Roboto"/>
-                <a:cs typeface="Roboto"/>
-                <a:sym typeface="Roboto"/>
-              </a:rPr>
-            </a:br>
-            <a:r>
-              <a:rPr lang="en" sz="1000">
-                <a:latin typeface="Roboto"/>
-                <a:ea typeface="Roboto"/>
-                <a:cs typeface="Roboto"/>
-                <a:sym typeface="Roboto"/>
-              </a:rPr>
-              <a:t>topic</a:t>
+              <a:t>tweets to process</a:t>
             </a:r>
             <a:endParaRPr sz="1000">
               <a:latin typeface="Roboto"/>
@@ -7509,8 +7438,8 @@
         </p:nvCxnSpPr>
         <p:spPr>
           <a:xfrm>
-            <a:off x="4673350" y="752575"/>
-            <a:ext cx="0" cy="1236900"/>
+            <a:off x="5363550" y="630550"/>
+            <a:ext cx="0" cy="1560300"/>
           </a:xfrm>
           <a:prstGeom prst="straightConnector1">
             <a:avLst/>
@@ -7534,9 +7463,9 @@
           <p:nvPr/>
         </p:nvSpPr>
         <p:spPr>
-          <a:xfrm rot="-5399127">
-            <a:off x="4121650" y="1213775"/>
-            <a:ext cx="1180800" cy="258300"/>
+          <a:xfrm rot="-5399351">
+            <a:off x="4517625" y="1231550"/>
+            <a:ext cx="1590000" cy="328500"/>
           </a:xfrm>
           <a:prstGeom prst="rect">
             <a:avLst/>
@@ -7571,42 +7500,7 @@
                 <a:cs typeface="Roboto"/>
                 <a:sym typeface="Roboto"/>
               </a:rPr>
-              <a:t>pub</a:t>
-            </a:r>
-            <a:r>
-              <a:rPr lang="en" sz="1000">
-                <a:latin typeface="Roboto"/>
-                <a:ea typeface="Roboto"/>
-                <a:cs typeface="Roboto"/>
-                <a:sym typeface="Roboto"/>
-              </a:rPr>
-              <a:t>  </a:t>
-            </a:r>
-            <a:r>
-              <a:rPr lang="en" sz="1000">
-                <a:latin typeface="Roboto"/>
-                <a:ea typeface="Roboto"/>
-                <a:cs typeface="Roboto"/>
-                <a:sym typeface="Roboto"/>
-              </a:rPr>
-              <a:t>processed</a:t>
-            </a:r>
-            <a:br>
-              <a:rPr lang="en" sz="1000">
-                <a:latin typeface="Roboto"/>
-                <a:ea typeface="Roboto"/>
-                <a:cs typeface="Roboto"/>
-                <a:sym typeface="Roboto"/>
-              </a:rPr>
-            </a:br>
-            <a:r>
-              <a:rPr lang="en" sz="1000">
-                <a:latin typeface="Roboto"/>
-                <a:ea typeface="Roboto"/>
-                <a:cs typeface="Roboto"/>
-                <a:sym typeface="Roboto"/>
-              </a:rPr>
-              <a:t>to[ic</a:t>
+              <a:t>processed tweets</a:t>
             </a:r>
             <a:endParaRPr sz="1000">
               <a:latin typeface="Roboto"/>
@@ -7625,8 +7519,8 @@
         </p:nvCxnSpPr>
         <p:spPr>
           <a:xfrm>
-            <a:off x="4139945" y="2427062"/>
-            <a:ext cx="0" cy="771600"/>
+            <a:off x="4692525" y="2749084"/>
+            <a:ext cx="0" cy="649500"/>
           </a:xfrm>
           <a:prstGeom prst="straightConnector1">
             <a:avLst/>
@@ -7650,9 +7544,9 @@
           <p:nvPr/>
         </p:nvSpPr>
         <p:spPr>
-          <a:xfrm rot="-5398614">
-            <a:off x="3654300" y="2665200"/>
-            <a:ext cx="744000" cy="258300"/>
+          <a:xfrm rot="-5398444">
+            <a:off x="4270425" y="2910400"/>
+            <a:ext cx="662700" cy="328500"/>
           </a:xfrm>
           <a:prstGeom prst="rect">
             <a:avLst/>
@@ -7684,7 +7578,7 @@
                 <a:cs typeface="Roboto"/>
                 <a:sym typeface="Roboto"/>
               </a:rPr>
-              <a:t>send alert</a:t>
+              <a:t>alert</a:t>
             </a:r>
             <a:endParaRPr sz="1000">
               <a:latin typeface="Roboto"/>
@@ -7711,8 +7605,8 @@
         </p:blipFill>
         <p:spPr>
           <a:xfrm>
-            <a:off x="3935655" y="3195274"/>
-            <a:ext cx="408575" cy="453149"/>
+            <a:off x="4477709" y="3413877"/>
+            <a:ext cx="434575" cy="482013"/>
           </a:xfrm>
           <a:prstGeom prst="rect">
             <a:avLst/>
@@ -7731,8 +7625,8 @@
         </p:nvSpPr>
         <p:spPr>
           <a:xfrm>
-            <a:off x="5526100" y="1989420"/>
-            <a:ext cx="885300" cy="439200"/>
+            <a:off x="6264347" y="2192455"/>
+            <a:ext cx="1125900" cy="558600"/>
           </a:xfrm>
           <a:prstGeom prst="rect">
             <a:avLst/>
@@ -7805,8 +7699,8 @@
         </p:blipFill>
         <p:spPr>
           <a:xfrm>
-            <a:off x="7354453" y="2026554"/>
-            <a:ext cx="341700" cy="359684"/>
+            <a:off x="8552139" y="2239686"/>
+            <a:ext cx="434575" cy="457482"/>
           </a:xfrm>
           <a:prstGeom prst="rect">
             <a:avLst/>
@@ -7828,8 +7722,8 @@
         </p:nvCxnSpPr>
         <p:spPr>
           <a:xfrm flipH="1" rot="10800000">
-            <a:off x="6411400" y="2206320"/>
-            <a:ext cx="943200" cy="2700"/>
+            <a:off x="7390247" y="2468455"/>
+            <a:ext cx="1161900" cy="3300"/>
           </a:xfrm>
           <a:prstGeom prst="straightConnector1">
             <a:avLst/>
@@ -7853,9 +7747,9 @@
           <p:nvPr/>
         </p:nvSpPr>
         <p:spPr>
-          <a:xfrm rot="1093">
-            <a:off x="6451328" y="1963550"/>
-            <a:ext cx="943200" cy="539100"/>
+          <a:xfrm rot="860">
+            <a:off x="7403546" y="2159510"/>
+            <a:ext cx="1199700" cy="685800"/>
           </a:xfrm>
           <a:prstGeom prst="rect">
             <a:avLst/>
@@ -7890,16 +7784,8 @@
                 <a:cs typeface="Roboto"/>
                 <a:sym typeface="Roboto"/>
               </a:rPr>
-              <a:t>view UI</a:t>
+              <a:t>v</a:t>
             </a:r>
-            <a:br>
-              <a:rPr lang="en" sz="1000">
-                <a:latin typeface="Roboto"/>
-                <a:ea typeface="Roboto"/>
-                <a:cs typeface="Roboto"/>
-                <a:sym typeface="Roboto"/>
-              </a:rPr>
-            </a:br>
             <a:r>
               <a:rPr lang="en" sz="1000">
                 <a:latin typeface="Roboto"/>
@@ -7907,7 +7793,36 @@
                 <a:cs typeface="Roboto"/>
                 <a:sym typeface="Roboto"/>
               </a:rPr>
-              <a:t>dashboard</a:t>
+              <a:t>iew results</a:t>
+            </a:r>
+            <a:endParaRPr sz="1000">
+              <a:latin typeface="Roboto"/>
+              <a:ea typeface="Roboto"/>
+              <a:cs typeface="Roboto"/>
+              <a:sym typeface="Roboto"/>
+            </a:endParaRPr>
+          </a:p>
+          <a:p>
+            <a:pPr indent="0" lvl="0" marL="0" rtl="0" algn="ctr">
+              <a:lnSpc>
+                <a:spcPct val="150000"/>
+              </a:lnSpc>
+              <a:spcBef>
+                <a:spcPts val="0"/>
+              </a:spcBef>
+              <a:spcAft>
+                <a:spcPts val="0"/>
+              </a:spcAft>
+              <a:buNone/>
+            </a:pPr>
+            <a:r>
+              <a:rPr lang="en" sz="1000">
+                <a:latin typeface="Roboto"/>
+                <a:ea typeface="Roboto"/>
+                <a:cs typeface="Roboto"/>
+                <a:sym typeface="Roboto"/>
+              </a:rPr>
+              <a:t>UI</a:t>
             </a:r>
             <a:endParaRPr sz="1000">
               <a:latin typeface="Roboto"/>
@@ -7921,15 +7836,13 @@
       <p:cxnSp>
         <p:nvCxnSpPr>
           <p:cNvPr id="84" name="Google Shape;84;p18"/>
-          <p:cNvCxnSpPr>
-            <a:endCxn id="80" idx="0"/>
-          </p:cNvCxnSpPr>
+          <p:cNvCxnSpPr/>
           <p:nvPr/>
         </p:nvCxnSpPr>
         <p:spPr>
           <a:xfrm>
-            <a:off x="5968750" y="752520"/>
-            <a:ext cx="0" cy="1236900"/>
+            <a:off x="7055900" y="600550"/>
+            <a:ext cx="0" cy="1582800"/>
           </a:xfrm>
           <a:prstGeom prst="straightConnector1">
             <a:avLst/>
@@ -7941,8 +7854,8 @@
             </a:solidFill>
             <a:prstDash val="solid"/>
             <a:round/>
-            <a:headEnd len="med" w="med" type="stealth"/>
-            <a:tailEnd len="med" w="med" type="none"/>
+            <a:headEnd len="med" w="med" type="none"/>
+            <a:tailEnd len="med" w="med" type="stealth"/>
           </a:ln>
         </p:spPr>
       </p:cxnSp>
@@ -7953,9 +7866,9 @@
           <p:nvPr/>
         </p:nvSpPr>
         <p:spPr>
-          <a:xfrm rot="-5399127">
-            <a:off x="5412377" y="1213775"/>
-            <a:ext cx="1180800" cy="258300"/>
+          <a:xfrm rot="-5399349">
+            <a:off x="6203050" y="1234850"/>
+            <a:ext cx="1583400" cy="328500"/>
           </a:xfrm>
           <a:prstGeom prst="rect">
             <a:avLst/>
@@ -7990,7 +7903,192 @@
                 <a:cs typeface="Roboto"/>
                 <a:sym typeface="Roboto"/>
               </a:rPr>
-              <a:t>sub</a:t>
+              <a:t>processed tweets</a:t>
+            </a:r>
+            <a:endParaRPr sz="1000">
+              <a:latin typeface="Roboto"/>
+              <a:ea typeface="Roboto"/>
+              <a:cs typeface="Roboto"/>
+              <a:sym typeface="Roboto"/>
+            </a:endParaRPr>
+          </a:p>
+        </p:txBody>
+      </p:sp>
+      <p:cxnSp>
+        <p:nvCxnSpPr>
+          <p:cNvPr id="86" name="Google Shape;86;p18"/>
+          <p:cNvCxnSpPr/>
+          <p:nvPr/>
+        </p:nvCxnSpPr>
+        <p:spPr>
+          <a:xfrm>
+            <a:off x="1757075" y="593050"/>
+            <a:ext cx="0" cy="1567800"/>
+          </a:xfrm>
+          <a:prstGeom prst="straightConnector1">
+            <a:avLst/>
+          </a:prstGeom>
+          <a:noFill/>
+          <a:ln cap="flat" cmpd="sng" w="9525">
+            <a:solidFill>
+              <a:srgbClr val="666666"/>
+            </a:solidFill>
+            <a:prstDash val="solid"/>
+            <a:round/>
+            <a:headEnd len="med" w="med" type="stealth"/>
+            <a:tailEnd len="med" w="med" type="stealth"/>
+          </a:ln>
+        </p:spPr>
+      </p:cxnSp>
+      <p:sp>
+        <p:nvSpPr>
+          <p:cNvPr id="87" name="Google Shape;87;p18"/>
+          <p:cNvSpPr txBox="1"/>
+          <p:nvPr/>
+        </p:nvSpPr>
+        <p:spPr>
+          <a:xfrm rot="-5399348">
+            <a:off x="916600" y="1227800"/>
+            <a:ext cx="1582500" cy="328500"/>
+          </a:xfrm>
+          <a:prstGeom prst="rect">
+            <a:avLst/>
+          </a:prstGeom>
+          <a:noFill/>
+          <a:ln>
+            <a:noFill/>
+          </a:ln>
+        </p:spPr>
+        <p:txBody>
+          <a:bodyPr anchorCtr="0" anchor="ctr" bIns="91425" lIns="91425" spcFirstLastPara="1" rIns="91425" wrap="square" tIns="91425">
+            <a:noAutofit/>
+          </a:bodyPr>
+          <a:lstStyle/>
+          <a:p>
+            <a:pPr indent="0" lvl="0" marL="0" rtl="0" algn="ctr">
+              <a:lnSpc>
+                <a:spcPct val="150000"/>
+              </a:lnSpc>
+              <a:spcBef>
+                <a:spcPts val="0"/>
+              </a:spcBef>
+              <a:spcAft>
+                <a:spcPts val="0"/>
+              </a:spcAft>
+              <a:buNone/>
+            </a:pPr>
+            <a:r>
+              <a:rPr lang="en" sz="1000">
+                <a:latin typeface="Roboto"/>
+                <a:ea typeface="Roboto"/>
+                <a:cs typeface="Roboto"/>
+                <a:sym typeface="Roboto"/>
+              </a:rPr>
+              <a:t>last tweet ID</a:t>
+            </a:r>
+            <a:endParaRPr sz="1000">
+              <a:latin typeface="Roboto"/>
+              <a:ea typeface="Roboto"/>
+              <a:cs typeface="Roboto"/>
+              <a:sym typeface="Roboto"/>
+            </a:endParaRPr>
+          </a:p>
+        </p:txBody>
+      </p:sp>
+      <p:sp>
+        <p:nvSpPr>
+          <p:cNvPr id="88" name="Google Shape;88;p18"/>
+          <p:cNvSpPr txBox="1"/>
+          <p:nvPr/>
+        </p:nvSpPr>
+        <p:spPr>
+          <a:xfrm>
+            <a:off x="985886" y="314680"/>
+            <a:ext cx="1571700" cy="240000"/>
+          </a:xfrm>
+          <a:prstGeom prst="rect">
+            <a:avLst/>
+          </a:prstGeom>
+          <a:noFill/>
+          <a:ln>
+            <a:noFill/>
+          </a:ln>
+        </p:spPr>
+        <p:txBody>
+          <a:bodyPr anchorCtr="0" anchor="t" bIns="91425" lIns="91425" spcFirstLastPara="1" rIns="91425" wrap="square" tIns="91425">
+            <a:noAutofit/>
+          </a:bodyPr>
+          <a:lstStyle/>
+          <a:p>
+            <a:pPr indent="0" lvl="0" marL="0" rtl="0" algn="ctr">
+              <a:spcBef>
+                <a:spcPts val="0"/>
+              </a:spcBef>
+              <a:spcAft>
+                <a:spcPts val="0"/>
+              </a:spcAft>
+              <a:buNone/>
+            </a:pPr>
+            <a:r>
+              <a:rPr lang="en" sz="1000">
+                <a:latin typeface="Roboto"/>
+                <a:ea typeface="Roboto"/>
+                <a:cs typeface="Roboto"/>
+                <a:sym typeface="Roboto"/>
+              </a:rPr>
+              <a:t>/v1.0/state/producer</a:t>
+            </a:r>
+            <a:endParaRPr sz="1000">
+              <a:latin typeface="Roboto"/>
+              <a:ea typeface="Roboto"/>
+              <a:cs typeface="Roboto"/>
+              <a:sym typeface="Roboto"/>
+            </a:endParaRPr>
+          </a:p>
+        </p:txBody>
+      </p:sp>
+      <p:sp>
+        <p:nvSpPr>
+          <p:cNvPr id="89" name="Google Shape;89;p18"/>
+          <p:cNvSpPr txBox="1"/>
+          <p:nvPr/>
+        </p:nvSpPr>
+        <p:spPr>
+          <a:xfrm>
+            <a:off x="2699793" y="314680"/>
+            <a:ext cx="1571700" cy="240000"/>
+          </a:xfrm>
+          <a:prstGeom prst="rect">
+            <a:avLst/>
+          </a:prstGeom>
+          <a:noFill/>
+          <a:ln>
+            <a:noFill/>
+          </a:ln>
+        </p:spPr>
+        <p:txBody>
+          <a:bodyPr anchorCtr="0" anchor="t" bIns="91425" lIns="91425" spcFirstLastPara="1" rIns="91425" wrap="square" tIns="91425">
+            <a:noAutofit/>
+          </a:bodyPr>
+          <a:lstStyle/>
+          <a:p>
+            <a:pPr indent="0" lvl="0" marL="0" rtl="0" algn="ctr">
+              <a:spcBef>
+                <a:spcPts val="0"/>
+              </a:spcBef>
+              <a:spcAft>
+                <a:spcPts val="0"/>
+              </a:spcAft>
+              <a:buNone/>
+            </a:pPr>
+            <a:r>
+              <a:rPr lang="en" sz="1000">
+                <a:latin typeface="Roboto"/>
+                <a:ea typeface="Roboto"/>
+                <a:cs typeface="Roboto"/>
+                <a:sym typeface="Roboto"/>
+              </a:rPr>
+              <a:t>/v1.0/</a:t>
             </a:r>
             <a:r>
               <a:rPr lang="en" sz="1000">
@@ -7999,7 +8097,95 @@
                 <a:cs typeface="Roboto"/>
                 <a:sym typeface="Roboto"/>
               </a:rPr>
-              <a:t> </a:t>
+              <a:t>publish</a:t>
+            </a:r>
+            <a:r>
+              <a:rPr lang="en" sz="1000">
+                <a:latin typeface="Roboto"/>
+                <a:ea typeface="Roboto"/>
+                <a:cs typeface="Roboto"/>
+                <a:sym typeface="Roboto"/>
+              </a:rPr>
+              <a:t>/</a:t>
+            </a:r>
+            <a:r>
+              <a:rPr lang="en" sz="1000">
+                <a:latin typeface="Roboto"/>
+                <a:ea typeface="Roboto"/>
+                <a:cs typeface="Roboto"/>
+                <a:sym typeface="Roboto"/>
+              </a:rPr>
+              <a:t>tweets</a:t>
+            </a:r>
+            <a:endParaRPr sz="1000">
+              <a:latin typeface="Roboto"/>
+              <a:ea typeface="Roboto"/>
+              <a:cs typeface="Roboto"/>
+              <a:sym typeface="Roboto"/>
+            </a:endParaRPr>
+          </a:p>
+        </p:txBody>
+      </p:sp>
+      <p:sp>
+        <p:nvSpPr>
+          <p:cNvPr id="90" name="Google Shape;90;p18"/>
+          <p:cNvSpPr txBox="1"/>
+          <p:nvPr/>
+        </p:nvSpPr>
+        <p:spPr>
+          <a:xfrm>
+            <a:off x="5363550" y="314675"/>
+            <a:ext cx="1692300" cy="240000"/>
+          </a:xfrm>
+          <a:prstGeom prst="rect">
+            <a:avLst/>
+          </a:prstGeom>
+          <a:noFill/>
+          <a:ln>
+            <a:noFill/>
+          </a:ln>
+        </p:spPr>
+        <p:txBody>
+          <a:bodyPr anchorCtr="0" anchor="t" bIns="91425" lIns="91425" spcFirstLastPara="1" rIns="91425" wrap="square" tIns="91425">
+            <a:noAutofit/>
+          </a:bodyPr>
+          <a:lstStyle/>
+          <a:p>
+            <a:pPr indent="0" lvl="0" marL="0" rtl="0" algn="ctr">
+              <a:spcBef>
+                <a:spcPts val="0"/>
+              </a:spcBef>
+              <a:spcAft>
+                <a:spcPts val="0"/>
+              </a:spcAft>
+              <a:buNone/>
+            </a:pPr>
+            <a:r>
+              <a:rPr lang="en" sz="1000">
+                <a:latin typeface="Roboto"/>
+                <a:ea typeface="Roboto"/>
+                <a:cs typeface="Roboto"/>
+                <a:sym typeface="Roboto"/>
+              </a:rPr>
+              <a:t>/v1.0/</a:t>
+            </a:r>
+            <a:r>
+              <a:rPr lang="en" sz="1000">
+                <a:latin typeface="Roboto"/>
+                <a:ea typeface="Roboto"/>
+                <a:cs typeface="Roboto"/>
+                <a:sym typeface="Roboto"/>
+              </a:rPr>
+              <a:t>publish</a:t>
+            </a:r>
+            <a:r>
+              <a:rPr lang="en" sz="1000">
+                <a:latin typeface="Roboto"/>
+                <a:ea typeface="Roboto"/>
+                <a:cs typeface="Roboto"/>
+                <a:sym typeface="Roboto"/>
+              </a:rPr>
+              <a:t>/</a:t>
             </a:r>
             <a:r>
               <a:rPr lang="en" sz="1000">
@@ -8009,23 +8195,6 @@
                 <a:sym typeface="Roboto"/>
               </a:rPr>
               <a:t>processed</a:t>
-            </a:r>
-            <a:br>
-              <a:rPr lang="en" sz="1000">
-                <a:latin typeface="Roboto"/>
-                <a:ea typeface="Roboto"/>
-                <a:cs typeface="Roboto"/>
-                <a:sym typeface="Roboto"/>
-              </a:rPr>
-            </a:br>
-            <a:r>
-              <a:rPr lang="en" sz="1000">
-                <a:latin typeface="Roboto"/>
-                <a:ea typeface="Roboto"/>
-                <a:cs typeface="Roboto"/>
-                <a:sym typeface="Roboto"/>
-              </a:rPr>
-              <a:t>topic</a:t>
             </a:r>
             <a:endParaRPr sz="1000">
               <a:latin typeface="Roboto"/>
